--- a/Calendario/Presentaciones/7_2_VPNs_IPsec.pptx
+++ b/Calendario/Presentaciones/7_2_VPNs_IPsec.pptx
@@ -19,10 +19,10 @@
     <p:sldId id="1203" r:id="rId10"/>
     <p:sldId id="1204" r:id="rId11"/>
     <p:sldId id="1205" r:id="rId12"/>
-    <p:sldId id="1206" r:id="rId13"/>
-    <p:sldId id="1207" r:id="rId14"/>
-    <p:sldId id="1208" r:id="rId15"/>
-    <p:sldId id="1209" r:id="rId16"/>
+    <p:sldId id="1209" r:id="rId13"/>
+    <p:sldId id="1206" r:id="rId14"/>
+    <p:sldId id="1207" r:id="rId15"/>
+    <p:sldId id="1208" r:id="rId16"/>
     <p:sldId id="1210" r:id="rId17"/>
     <p:sldId id="1211" r:id="rId18"/>
     <p:sldId id="1212" r:id="rId19"/>
@@ -736,7 +736,7 @@
     </p:spTree>
     <p:extLst>
       <p:ext uri="{BB962C8B-B14F-4D97-AF65-F5344CB8AC3E}">
-        <p14:creationId xmlns:p14="http://schemas.microsoft.com/office/powerpoint/2010/main" val="3903769697"/>
+        <p14:creationId xmlns:p14="http://schemas.microsoft.com/office/powerpoint/2010/main" val="3181005969"/>
       </p:ext>
     </p:extLst>
   </p:cSld>
@@ -820,7 +820,7 @@
     </p:spTree>
     <p:extLst>
       <p:ext uri="{BB962C8B-B14F-4D97-AF65-F5344CB8AC3E}">
-        <p14:creationId xmlns:p14="http://schemas.microsoft.com/office/powerpoint/2010/main" val="3112359457"/>
+        <p14:creationId xmlns:p14="http://schemas.microsoft.com/office/powerpoint/2010/main" val="3903769697"/>
       </p:ext>
     </p:extLst>
   </p:cSld>
@@ -904,7 +904,7 @@
     </p:spTree>
     <p:extLst>
       <p:ext uri="{BB962C8B-B14F-4D97-AF65-F5344CB8AC3E}">
-        <p14:creationId xmlns:p14="http://schemas.microsoft.com/office/powerpoint/2010/main" val="3132136728"/>
+        <p14:creationId xmlns:p14="http://schemas.microsoft.com/office/powerpoint/2010/main" val="3112359457"/>
       </p:ext>
     </p:extLst>
   </p:cSld>
@@ -988,7 +988,7 @@
     </p:spTree>
     <p:extLst>
       <p:ext uri="{BB962C8B-B14F-4D97-AF65-F5344CB8AC3E}">
-        <p14:creationId xmlns:p14="http://schemas.microsoft.com/office/powerpoint/2010/main" val="2258581380"/>
+        <p14:creationId xmlns:p14="http://schemas.microsoft.com/office/powerpoint/2010/main" val="3132136728"/>
       </p:ext>
     </p:extLst>
   </p:cSld>
@@ -6183,6 +6183,416 @@
           <a:chExt cx="0" cy="0"/>
         </a:xfrm>
       </p:grpSpPr>
+      <p:sp>
+        <p:nvSpPr>
+          <p:cNvPr id="2" name="Content Placeholder 1"/>
+          <p:cNvSpPr>
+            <a:spLocks noGrp="1"/>
+          </p:cNvSpPr>
+          <p:nvPr>
+            <p:ph idx="1"/>
+          </p:nvPr>
+        </p:nvSpPr>
+        <p:spPr>
+          <a:xfrm>
+            <a:off x="467544" y="1490239"/>
+            <a:ext cx="7992888" cy="1944216"/>
+          </a:xfrm>
+        </p:spPr>
+        <p:txBody>
+          <a:bodyPr/>
+          <a:lstStyle/>
+          <a:p>
+            <a:pPr indent="0" algn="just">
+              <a:lnSpc>
+                <a:spcPct val="150000"/>
+              </a:lnSpc>
+              <a:spcBef>
+                <a:spcPts val="0"/>
+              </a:spcBef>
+            </a:pPr>
+            <a:r>
+              <a:rPr lang="es-ES" sz="1600" b="1" dirty="0">
+                <a:solidFill>
+                  <a:srgbClr val="FF0000"/>
+                </a:solidFill>
+                <a:latin typeface="Arial" panose="020B0604020202020204" pitchFamily="34" charset="0"/>
+                <a:cs typeface="Arial" panose="020B0604020202020204" pitchFamily="34" charset="0"/>
+              </a:rPr>
+              <a:t>Paso 1. </a:t>
+            </a:r>
+            <a:r>
+              <a:rPr lang="es-ES" sz="1600" dirty="0">
+                <a:solidFill>
+                  <a:srgbClr val="000000"/>
+                </a:solidFill>
+                <a:latin typeface="Arial" panose="020B0604020202020204" pitchFamily="34" charset="0"/>
+                <a:cs typeface="Arial" panose="020B0604020202020204" pitchFamily="34" charset="0"/>
+              </a:rPr>
+              <a:t>Cree una </a:t>
+            </a:r>
+            <a:r>
+              <a:rPr lang="es-ES" sz="1600" b="1" dirty="0">
+                <a:solidFill>
+                  <a:schemeClr val="accent6">
+                    <a:lumMod val="75000"/>
+                  </a:schemeClr>
+                </a:solidFill>
+                <a:latin typeface="Arial" panose="020B0604020202020204" pitchFamily="34" charset="0"/>
+                <a:cs typeface="Arial" panose="020B0604020202020204" pitchFamily="34" charset="0"/>
+              </a:rPr>
+              <a:t>ACL para cifrar el tráfico</a:t>
+            </a:r>
+            <a:r>
+              <a:rPr lang="es-ES" sz="1600" dirty="0">
+                <a:solidFill>
+                  <a:srgbClr val="000000"/>
+                </a:solidFill>
+                <a:latin typeface="Arial" panose="020B0604020202020204" pitchFamily="34" charset="0"/>
+                <a:cs typeface="Arial" panose="020B0604020202020204" pitchFamily="34" charset="0"/>
+              </a:rPr>
+              <a:t>. </a:t>
+            </a:r>
+          </a:p>
+          <a:p>
+            <a:pPr indent="0" algn="just">
+              <a:lnSpc>
+                <a:spcPct val="150000"/>
+              </a:lnSpc>
+              <a:spcBef>
+                <a:spcPts val="0"/>
+              </a:spcBef>
+            </a:pPr>
+            <a:r>
+              <a:rPr lang="es-ES" sz="1600" dirty="0">
+                <a:solidFill>
+                  <a:srgbClr val="000000"/>
+                </a:solidFill>
+                <a:latin typeface="Arial" panose="020B0604020202020204" pitchFamily="34" charset="0"/>
+                <a:cs typeface="Arial" panose="020B0604020202020204" pitchFamily="34" charset="0"/>
+              </a:rPr>
+              <a:t>En este ejemplo, el tráfico de </a:t>
+            </a:r>
+            <a:r>
+              <a:rPr lang="es-ES" sz="1600" b="1" dirty="0">
+                <a:solidFill>
+                  <a:srgbClr val="000000"/>
+                </a:solidFill>
+                <a:latin typeface="Arial" panose="020B0604020202020204" pitchFamily="34" charset="0"/>
+                <a:cs typeface="Arial" panose="020B0604020202020204" pitchFamily="34" charset="0"/>
+              </a:rPr>
+              <a:t>172.16.2.0/24</a:t>
+            </a:r>
+            <a:r>
+              <a:rPr lang="es-ES" sz="1600" dirty="0">
+                <a:solidFill>
+                  <a:srgbClr val="000000"/>
+                </a:solidFill>
+                <a:latin typeface="Arial" panose="020B0604020202020204" pitchFamily="34" charset="0"/>
+                <a:cs typeface="Arial" panose="020B0604020202020204" pitchFamily="34" charset="0"/>
+              </a:rPr>
+              <a:t> a </a:t>
+            </a:r>
+            <a:r>
+              <a:rPr lang="es-ES" sz="1600" b="1" dirty="0">
+                <a:solidFill>
+                  <a:srgbClr val="000000"/>
+                </a:solidFill>
+                <a:latin typeface="Arial" panose="020B0604020202020204" pitchFamily="34" charset="0"/>
+                <a:cs typeface="Arial" panose="020B0604020202020204" pitchFamily="34" charset="0"/>
+              </a:rPr>
+              <a:t>10.1.1.0/24</a:t>
+            </a:r>
+            <a:r>
+              <a:rPr lang="es-ES" sz="1600" dirty="0">
+                <a:solidFill>
+                  <a:srgbClr val="000000"/>
+                </a:solidFill>
+                <a:latin typeface="Arial" panose="020B0604020202020204" pitchFamily="34" charset="0"/>
+                <a:cs typeface="Arial" panose="020B0604020202020204" pitchFamily="34" charset="0"/>
+              </a:rPr>
+              <a:t> está encriptado. El tráfico que no coincide con la lista de acceso no está encriptado para Internet.</a:t>
+            </a:r>
+          </a:p>
+          <a:p>
+            <a:pPr lvl="1" indent="0">
+              <a:lnSpc>
+                <a:spcPts val="2500"/>
+              </a:lnSpc>
+              <a:spcBef>
+                <a:spcPts val="0"/>
+              </a:spcBef>
+              <a:buNone/>
+            </a:pPr>
+            <a:endParaRPr lang="en-US" sz="1800" b="1" dirty="0">
+              <a:solidFill>
+                <a:srgbClr val="000000"/>
+              </a:solidFill>
+              <a:latin typeface="Arial" panose="020B0604020202020204" pitchFamily="34" charset="0"/>
+              <a:cs typeface="Arial" panose="020B0604020202020204" pitchFamily="34" charset="0"/>
+            </a:endParaRPr>
+          </a:p>
+          <a:p>
+            <a:pPr lvl="1" indent="-476250">
+              <a:lnSpc>
+                <a:spcPts val="2500"/>
+              </a:lnSpc>
+              <a:spcBef>
+                <a:spcPts val="0"/>
+              </a:spcBef>
+              <a:buNone/>
+            </a:pPr>
+            <a:r>
+              <a:rPr lang="en-US" sz="1800" b="1" dirty="0">
+                <a:solidFill>
+                  <a:srgbClr val="000000"/>
+                </a:solidFill>
+                <a:latin typeface="Arial" panose="020B0604020202020204" pitchFamily="34" charset="0"/>
+                <a:cs typeface="Arial" panose="020B0604020202020204" pitchFamily="34" charset="0"/>
+              </a:rPr>
+              <a:t>access-list </a:t>
+            </a:r>
+            <a:r>
+              <a:rPr lang="en-US" sz="1800" b="1" dirty="0">
+                <a:solidFill>
+                  <a:schemeClr val="accent6">
+                    <a:lumMod val="75000"/>
+                  </a:schemeClr>
+                </a:solidFill>
+                <a:latin typeface="Arial" panose="020B0604020202020204" pitchFamily="34" charset="0"/>
+                <a:cs typeface="Arial" panose="020B0604020202020204" pitchFamily="34" charset="0"/>
+              </a:rPr>
+              <a:t>100 </a:t>
+            </a:r>
+            <a:r>
+              <a:rPr lang="en-US" sz="1800" b="1" dirty="0">
+                <a:solidFill>
+                  <a:srgbClr val="000000"/>
+                </a:solidFill>
+                <a:latin typeface="Arial" panose="020B0604020202020204" pitchFamily="34" charset="0"/>
+                <a:cs typeface="Arial" panose="020B0604020202020204" pitchFamily="34" charset="0"/>
+              </a:rPr>
+              <a:t>permit </a:t>
+            </a:r>
+            <a:r>
+              <a:rPr lang="en-US" sz="1800" b="1" dirty="0" err="1">
+                <a:solidFill>
+                  <a:srgbClr val="000000"/>
+                </a:solidFill>
+                <a:latin typeface="Arial" panose="020B0604020202020204" pitchFamily="34" charset="0"/>
+                <a:cs typeface="Arial" panose="020B0604020202020204" pitchFamily="34" charset="0"/>
+              </a:rPr>
+              <a:t>ip</a:t>
+            </a:r>
+            <a:r>
+              <a:rPr lang="en-US" sz="1800" b="1" dirty="0">
+                <a:solidFill>
+                  <a:srgbClr val="000000"/>
+                </a:solidFill>
+                <a:latin typeface="Arial" panose="020B0604020202020204" pitchFamily="34" charset="0"/>
+                <a:cs typeface="Arial" panose="020B0604020202020204" pitchFamily="34" charset="0"/>
+              </a:rPr>
+              <a:t> </a:t>
+            </a:r>
+            <a:r>
+              <a:rPr lang="en-US" sz="1800" b="1" dirty="0">
+                <a:solidFill>
+                  <a:schemeClr val="accent6">
+                    <a:lumMod val="75000"/>
+                  </a:schemeClr>
+                </a:solidFill>
+                <a:latin typeface="Arial" panose="020B0604020202020204" pitchFamily="34" charset="0"/>
+                <a:cs typeface="Arial" panose="020B0604020202020204" pitchFamily="34" charset="0"/>
+              </a:rPr>
+              <a:t>172.16.2.0</a:t>
+            </a:r>
+            <a:r>
+              <a:rPr lang="en-US" sz="1800" b="1" dirty="0">
+                <a:solidFill>
+                  <a:srgbClr val="000000"/>
+                </a:solidFill>
+                <a:latin typeface="Arial" panose="020B0604020202020204" pitchFamily="34" charset="0"/>
+                <a:cs typeface="Arial" panose="020B0604020202020204" pitchFamily="34" charset="0"/>
+              </a:rPr>
+              <a:t> 0.0.0.255 </a:t>
+            </a:r>
+            <a:r>
+              <a:rPr lang="en-US" sz="1800" b="1" dirty="0">
+                <a:solidFill>
+                  <a:schemeClr val="accent6">
+                    <a:lumMod val="75000"/>
+                  </a:schemeClr>
+                </a:solidFill>
+                <a:latin typeface="Arial" panose="020B0604020202020204" pitchFamily="34" charset="0"/>
+                <a:cs typeface="Arial" panose="020B0604020202020204" pitchFamily="34" charset="0"/>
+              </a:rPr>
+              <a:t>10.1.1.0 </a:t>
+            </a:r>
+            <a:r>
+              <a:rPr lang="en-US" sz="1800" b="1" dirty="0">
+                <a:solidFill>
+                  <a:srgbClr val="000000"/>
+                </a:solidFill>
+                <a:latin typeface="Arial" panose="020B0604020202020204" pitchFamily="34" charset="0"/>
+                <a:cs typeface="Arial" panose="020B0604020202020204" pitchFamily="34" charset="0"/>
+              </a:rPr>
+              <a:t>0.0.0.255</a:t>
+            </a:r>
+          </a:p>
+        </p:txBody>
+      </p:sp>
+      <p:sp>
+        <p:nvSpPr>
+          <p:cNvPr id="4" name="Rectangle 5">
+            <a:extLst>
+              <a:ext uri="{FF2B5EF4-FFF2-40B4-BE49-F238E27FC236}">
+                <a16:creationId xmlns:a16="http://schemas.microsoft.com/office/drawing/2014/main" id="{BD2FAA3E-64BB-4FFB-46CC-02579F1E62D9}"/>
+              </a:ext>
+            </a:extLst>
+          </p:cNvPr>
+          <p:cNvSpPr txBox="1">
+            <a:spLocks noChangeArrowheads="1"/>
+          </p:cNvSpPr>
+          <p:nvPr/>
+        </p:nvSpPr>
+        <p:spPr bwMode="auto">
+          <a:xfrm>
+            <a:off x="1028700" y="188640"/>
+            <a:ext cx="7086600" cy="1143000"/>
+          </a:xfrm>
+          <a:prstGeom prst="rect">
+            <a:avLst/>
+          </a:prstGeom>
+          <a:noFill/>
+          <a:ln>
+            <a:noFill/>
+          </a:ln>
+          <a:extLst>
+            <a:ext uri="{909E8E84-426E-40DD-AFC4-6F175D3DCCD1}">
+              <a14:hiddenFill xmlns:a14="http://schemas.microsoft.com/office/drawing/2010/main">
+                <a:solidFill>
+                  <a:srgbClr val="FFFFFF"/>
+                </a:solidFill>
+              </a14:hiddenFill>
+            </a:ext>
+            <a:ext uri="{91240B29-F687-4F45-9708-019B960494DF}">
+              <a14:hiddenLine xmlns:a14="http://schemas.microsoft.com/office/drawing/2010/main" w="9525">
+                <a:solidFill>
+                  <a:srgbClr val="000000"/>
+                </a:solidFill>
+                <a:miter lim="800000"/>
+                <a:headEnd/>
+                <a:tailEnd/>
+              </a14:hiddenLine>
+            </a:ext>
+          </a:extLst>
+        </p:spPr>
+        <p:txBody>
+          <a:bodyPr vert="horz" lIns="91440" tIns="45720" rIns="91440" bIns="45720" rtlCol="0" anchor="ctr">
+            <a:normAutofit/>
+          </a:bodyPr>
+          <a:lstStyle>
+            <a:lvl1pPr algn="ctr" defTabSz="914400" rtl="0" eaLnBrk="1" latinLnBrk="0" hangingPunct="1">
+              <a:spcBef>
+                <a:spcPct val="0"/>
+              </a:spcBef>
+              <a:buNone/>
+              <a:defRPr sz="4400" kern="1200">
+                <a:solidFill>
+                  <a:srgbClr val="004C69"/>
+                </a:solidFill>
+                <a:latin typeface="+mj-lt"/>
+                <a:ea typeface="+mj-ea"/>
+                <a:cs typeface="+mj-cs"/>
+              </a:defRPr>
+            </a:lvl1pPr>
+          </a:lstStyle>
+          <a:p>
+            <a:pPr>
+              <a:spcBef>
+                <a:spcPts val="0"/>
+              </a:spcBef>
+            </a:pPr>
+            <a:r>
+              <a:rPr lang="es-ES_tradnl" altLang="es-MX" sz="3200" b="1" dirty="0">
+                <a:solidFill>
+                  <a:schemeClr val="accent4">
+                    <a:lumMod val="50000"/>
+                  </a:schemeClr>
+                </a:solidFill>
+                <a:effectLst>
+                  <a:outerShdw blurRad="38100" dist="38100" dir="2700000" algn="tl">
+                    <a:srgbClr val="C0C0C0"/>
+                  </a:outerShdw>
+                </a:effectLst>
+                <a:latin typeface="Dom Casual" charset="0"/>
+              </a:rPr>
+              <a:t>Configuración de </a:t>
+            </a:r>
+            <a:r>
+              <a:rPr lang="es-ES_tradnl" altLang="es-MX" sz="3200" b="1" dirty="0" err="1">
+                <a:solidFill>
+                  <a:schemeClr val="accent4">
+                    <a:lumMod val="50000"/>
+                  </a:schemeClr>
+                </a:solidFill>
+                <a:effectLst>
+                  <a:outerShdw blurRad="38100" dist="38100" dir="2700000" algn="tl">
+                    <a:srgbClr val="C0C0C0"/>
+                  </a:outerShdw>
+                </a:effectLst>
+                <a:latin typeface="Dom Casual" charset="0"/>
+              </a:rPr>
+              <a:t>VPNs</a:t>
+            </a:r>
+            <a:r>
+              <a:rPr lang="es-ES_tradnl" altLang="es-MX" sz="3200" b="1" dirty="0">
+                <a:solidFill>
+                  <a:schemeClr val="accent4">
+                    <a:lumMod val="50000"/>
+                  </a:schemeClr>
+                </a:solidFill>
+                <a:effectLst>
+                  <a:outerShdw blurRad="38100" dist="38100" dir="2700000" algn="tl">
+                    <a:srgbClr val="C0C0C0"/>
+                  </a:outerShdw>
+                </a:effectLst>
+                <a:latin typeface="Dom Casual" charset="0"/>
+              </a:rPr>
+              <a:t> Ipsec</a:t>
+            </a:r>
+          </a:p>
+          <a:p>
+            <a:pPr>
+              <a:spcBef>
+                <a:spcPts val="0"/>
+              </a:spcBef>
+            </a:pPr>
+            <a:r>
+              <a:rPr lang="es-ES_tradnl" altLang="es-MX" sz="2000" b="1" dirty="0" err="1">
+                <a:solidFill>
+                  <a:schemeClr val="accent3">
+                    <a:lumMod val="75000"/>
+                  </a:schemeClr>
+                </a:solidFill>
+                <a:latin typeface="Dom Casual" charset="0"/>
+              </a:rPr>
+              <a:t>Router</a:t>
+            </a:r>
+            <a:r>
+              <a:rPr lang="es-ES_tradnl" altLang="es-MX" sz="2000" b="1" dirty="0">
+                <a:solidFill>
+                  <a:schemeClr val="accent3">
+                    <a:lumMod val="75000"/>
+                  </a:schemeClr>
+                </a:solidFill>
+                <a:latin typeface="Dom Casual" charset="0"/>
+              </a:rPr>
+              <a:t> B</a:t>
+            </a:r>
+          </a:p>
+        </p:txBody>
+      </p:sp>
       <p:pic>
         <p:nvPicPr>
           <p:cNvPr id="9" name="Imagen 8">
@@ -6205,7 +6615,7 @@
         </p:blipFill>
         <p:spPr>
           <a:xfrm>
-            <a:off x="871724" y="3717031"/>
+            <a:off x="896752" y="3593054"/>
             <a:ext cx="7218548" cy="2793730"/>
           </a:xfrm>
           <a:prstGeom prst="rect">
@@ -6213,406 +6623,10 @@
           </a:prstGeom>
         </p:spPr>
       </p:pic>
-      <p:sp>
-        <p:nvSpPr>
-          <p:cNvPr id="2" name="Content Placeholder 1"/>
-          <p:cNvSpPr>
-            <a:spLocks noGrp="1"/>
-          </p:cNvSpPr>
-          <p:nvPr>
-            <p:ph idx="1"/>
-          </p:nvPr>
-        </p:nvSpPr>
-        <p:spPr>
-          <a:xfrm>
-            <a:off x="467544" y="1143000"/>
-            <a:ext cx="8064896" cy="3078088"/>
-          </a:xfrm>
-          <a:solidFill>
-            <a:schemeClr val="bg1"/>
-          </a:solidFill>
-        </p:spPr>
-        <p:txBody>
-          <a:bodyPr/>
-          <a:lstStyle/>
-          <a:p>
-            <a:pPr indent="0" algn="l">
-              <a:lnSpc>
-                <a:spcPct val="150000"/>
-              </a:lnSpc>
-              <a:spcBef>
-                <a:spcPts val="0"/>
-              </a:spcBef>
-            </a:pPr>
-            <a:r>
-              <a:rPr lang="es-ES" sz="1600" b="1" dirty="0">
-                <a:solidFill>
-                  <a:srgbClr val="FF0000"/>
-                </a:solidFill>
-                <a:latin typeface="Arial" panose="020B0604020202020204" pitchFamily="34" charset="0"/>
-                <a:cs typeface="Arial" panose="020B0604020202020204" pitchFamily="34" charset="0"/>
-              </a:rPr>
-              <a:t>Paso 1. </a:t>
-            </a:r>
-            <a:r>
-              <a:rPr lang="es-ES" sz="1600" dirty="0">
-                <a:solidFill>
-                  <a:srgbClr val="000000"/>
-                </a:solidFill>
-                <a:latin typeface="Arial" panose="020B0604020202020204" pitchFamily="34" charset="0"/>
-                <a:cs typeface="Arial" panose="020B0604020202020204" pitchFamily="34" charset="0"/>
-              </a:rPr>
-              <a:t>Cree una política </a:t>
-            </a:r>
-            <a:r>
-              <a:rPr lang="es-ES" sz="1600" b="1" dirty="0">
-                <a:solidFill>
-                  <a:srgbClr val="000000"/>
-                </a:solidFill>
-                <a:latin typeface="Arial" panose="020B0604020202020204" pitchFamily="34" charset="0"/>
-                <a:cs typeface="Arial" panose="020B0604020202020204" pitchFamily="34" charset="0"/>
-              </a:rPr>
-              <a:t>ISAKMP</a:t>
-            </a:r>
-            <a:r>
-              <a:rPr lang="es-ES" sz="1600" dirty="0">
-                <a:solidFill>
-                  <a:srgbClr val="000000"/>
-                </a:solidFill>
-                <a:latin typeface="Arial" panose="020B0604020202020204" pitchFamily="34" charset="0"/>
-                <a:cs typeface="Arial" panose="020B0604020202020204" pitchFamily="34" charset="0"/>
-              </a:rPr>
-              <a:t> para las negociaciones de la Fase 1 para los túneles L2L.</a:t>
-            </a:r>
-          </a:p>
-          <a:p>
-            <a:pPr lvl="1" indent="0">
-              <a:lnSpc>
-                <a:spcPts val="2500"/>
-              </a:lnSpc>
-              <a:spcBef>
-                <a:spcPts val="0"/>
-              </a:spcBef>
-              <a:buNone/>
-            </a:pPr>
-            <a:endParaRPr lang="en-US" sz="1800" b="1" dirty="0">
-              <a:solidFill>
-                <a:srgbClr val="000000"/>
-              </a:solidFill>
-              <a:latin typeface="Arial" panose="020B0604020202020204" pitchFamily="34" charset="0"/>
-              <a:cs typeface="Arial" panose="020B0604020202020204" pitchFamily="34" charset="0"/>
-            </a:endParaRPr>
-          </a:p>
-          <a:p>
-            <a:pPr lvl="1" indent="0">
-              <a:lnSpc>
-                <a:spcPts val="2500"/>
-              </a:lnSpc>
-              <a:spcBef>
-                <a:spcPts val="0"/>
-              </a:spcBef>
-              <a:buNone/>
-            </a:pPr>
-            <a:r>
-              <a:rPr lang="en-US" sz="1800" b="1" dirty="0">
-                <a:solidFill>
-                  <a:srgbClr val="000000"/>
-                </a:solidFill>
-                <a:latin typeface="Arial" panose="020B0604020202020204" pitchFamily="34" charset="0"/>
-                <a:cs typeface="Arial" panose="020B0604020202020204" pitchFamily="34" charset="0"/>
-              </a:rPr>
-              <a:t>crypto </a:t>
-            </a:r>
-            <a:r>
-              <a:rPr lang="en-US" sz="1800" b="1" dirty="0" err="1">
-                <a:solidFill>
-                  <a:srgbClr val="000000"/>
-                </a:solidFill>
-                <a:latin typeface="Arial" panose="020B0604020202020204" pitchFamily="34" charset="0"/>
-                <a:cs typeface="Arial" panose="020B0604020202020204" pitchFamily="34" charset="0"/>
-              </a:rPr>
-              <a:t>isakmp</a:t>
-            </a:r>
-            <a:r>
-              <a:rPr lang="en-US" sz="1800" b="1" dirty="0">
-                <a:solidFill>
-                  <a:srgbClr val="000000"/>
-                </a:solidFill>
-                <a:latin typeface="Arial" panose="020B0604020202020204" pitchFamily="34" charset="0"/>
-                <a:cs typeface="Arial" panose="020B0604020202020204" pitchFamily="34" charset="0"/>
-              </a:rPr>
-              <a:t> policy </a:t>
-            </a:r>
-            <a:r>
-              <a:rPr lang="en-US" sz="1800" b="1" dirty="0">
-                <a:solidFill>
-                  <a:srgbClr val="00B0F0"/>
-                </a:solidFill>
-                <a:latin typeface="Arial" panose="020B0604020202020204" pitchFamily="34" charset="0"/>
-                <a:cs typeface="Arial" panose="020B0604020202020204" pitchFamily="34" charset="0"/>
-              </a:rPr>
-              <a:t>10</a:t>
-            </a:r>
-          </a:p>
-          <a:p>
-            <a:pPr lvl="1" indent="0">
-              <a:lnSpc>
-                <a:spcPts val="2500"/>
-              </a:lnSpc>
-              <a:spcBef>
-                <a:spcPts val="0"/>
-              </a:spcBef>
-              <a:buNone/>
-            </a:pPr>
-            <a:r>
-              <a:rPr lang="en-US" sz="1800" b="1" dirty="0">
-                <a:solidFill>
-                  <a:srgbClr val="000000"/>
-                </a:solidFill>
-                <a:latin typeface="Arial" panose="020B0604020202020204" pitchFamily="34" charset="0"/>
-                <a:cs typeface="Arial" panose="020B0604020202020204" pitchFamily="34" charset="0"/>
-              </a:rPr>
-              <a:t>encryption </a:t>
-            </a:r>
-            <a:r>
-              <a:rPr lang="en-US" sz="1800" b="1" dirty="0" err="1">
-                <a:solidFill>
-                  <a:srgbClr val="000000"/>
-                </a:solidFill>
-                <a:latin typeface="Arial" panose="020B0604020202020204" pitchFamily="34" charset="0"/>
-                <a:cs typeface="Arial" panose="020B0604020202020204" pitchFamily="34" charset="0"/>
-              </a:rPr>
-              <a:t>aes</a:t>
-            </a:r>
-            <a:endParaRPr lang="en-US" sz="1800" b="1" dirty="0">
-              <a:solidFill>
-                <a:srgbClr val="000000"/>
-              </a:solidFill>
-              <a:latin typeface="Arial" panose="020B0604020202020204" pitchFamily="34" charset="0"/>
-              <a:cs typeface="Arial" panose="020B0604020202020204" pitchFamily="34" charset="0"/>
-            </a:endParaRPr>
-          </a:p>
-          <a:p>
-            <a:pPr lvl="1" indent="0">
-              <a:lnSpc>
-                <a:spcPts val="2500"/>
-              </a:lnSpc>
-              <a:spcBef>
-                <a:spcPts val="0"/>
-              </a:spcBef>
-              <a:buNone/>
-            </a:pPr>
-            <a:r>
-              <a:rPr lang="en-US" sz="1800" b="1" dirty="0">
-                <a:solidFill>
-                  <a:srgbClr val="000000"/>
-                </a:solidFill>
-                <a:latin typeface="Arial" panose="020B0604020202020204" pitchFamily="34" charset="0"/>
-                <a:cs typeface="Arial" panose="020B0604020202020204" pitchFamily="34" charset="0"/>
-              </a:rPr>
-              <a:t>hash sha256</a:t>
-            </a:r>
-          </a:p>
-          <a:p>
-            <a:pPr lvl="1" indent="0">
-              <a:lnSpc>
-                <a:spcPts val="2500"/>
-              </a:lnSpc>
-              <a:spcBef>
-                <a:spcPts val="0"/>
-              </a:spcBef>
-              <a:buNone/>
-            </a:pPr>
-            <a:r>
-              <a:rPr lang="en-US" sz="1800" b="1" dirty="0">
-                <a:solidFill>
-                  <a:srgbClr val="000000"/>
-                </a:solidFill>
-                <a:latin typeface="Arial" panose="020B0604020202020204" pitchFamily="34" charset="0"/>
-                <a:cs typeface="Arial" panose="020B0604020202020204" pitchFamily="34" charset="0"/>
-              </a:rPr>
-              <a:t>authentication pre-share</a:t>
-            </a:r>
-          </a:p>
-          <a:p>
-            <a:pPr lvl="1" indent="0">
-              <a:lnSpc>
-                <a:spcPts val="2500"/>
-              </a:lnSpc>
-              <a:spcBef>
-                <a:spcPts val="0"/>
-              </a:spcBef>
-              <a:buNone/>
-            </a:pPr>
-            <a:r>
-              <a:rPr lang="en-US" sz="1800" b="1" dirty="0">
-                <a:solidFill>
-                  <a:srgbClr val="000000"/>
-                </a:solidFill>
-                <a:latin typeface="Arial" panose="020B0604020202020204" pitchFamily="34" charset="0"/>
-                <a:cs typeface="Arial" panose="020B0604020202020204" pitchFamily="34" charset="0"/>
-              </a:rPr>
-              <a:t>group 14</a:t>
-            </a:r>
-          </a:p>
-        </p:txBody>
-      </p:sp>
-      <p:sp>
-        <p:nvSpPr>
-          <p:cNvPr id="4" name="Rectangle 5">
-            <a:extLst>
-              <a:ext uri="{FF2B5EF4-FFF2-40B4-BE49-F238E27FC236}">
-                <a16:creationId xmlns:a16="http://schemas.microsoft.com/office/drawing/2014/main" id="{BD2FAA3E-64BB-4FFB-46CC-02579F1E62D9}"/>
-              </a:ext>
-            </a:extLst>
-          </p:cNvPr>
-          <p:cNvSpPr txBox="1">
-            <a:spLocks noChangeArrowheads="1"/>
-          </p:cNvSpPr>
-          <p:nvPr/>
-        </p:nvSpPr>
-        <p:spPr bwMode="auto">
-          <a:xfrm>
-            <a:off x="1003672" y="0"/>
-            <a:ext cx="7086600" cy="1143000"/>
-          </a:xfrm>
-          <a:prstGeom prst="rect">
-            <a:avLst/>
-          </a:prstGeom>
-          <a:noFill/>
-          <a:ln>
-            <a:noFill/>
-          </a:ln>
-          <a:extLst>
-            <a:ext uri="{909E8E84-426E-40DD-AFC4-6F175D3DCCD1}">
-              <a14:hiddenFill xmlns:a14="http://schemas.microsoft.com/office/drawing/2010/main">
-                <a:solidFill>
-                  <a:srgbClr val="FFFFFF"/>
-                </a:solidFill>
-              </a14:hiddenFill>
-            </a:ext>
-            <a:ext uri="{91240B29-F687-4F45-9708-019B960494DF}">
-              <a14:hiddenLine xmlns:a14="http://schemas.microsoft.com/office/drawing/2010/main" w="9525">
-                <a:solidFill>
-                  <a:srgbClr val="000000"/>
-                </a:solidFill>
-                <a:miter lim="800000"/>
-                <a:headEnd/>
-                <a:tailEnd/>
-              </a14:hiddenLine>
-            </a:ext>
-          </a:extLst>
-        </p:spPr>
-        <p:txBody>
-          <a:bodyPr vert="horz" lIns="91440" tIns="45720" rIns="91440" bIns="45720" rtlCol="0" anchor="ctr">
-            <a:normAutofit/>
-          </a:bodyPr>
-          <a:lstStyle>
-            <a:lvl1pPr algn="ctr" defTabSz="914400" rtl="0" eaLnBrk="1" latinLnBrk="0" hangingPunct="1">
-              <a:spcBef>
-                <a:spcPct val="0"/>
-              </a:spcBef>
-              <a:buNone/>
-              <a:defRPr sz="4400" kern="1200">
-                <a:solidFill>
-                  <a:srgbClr val="004C69"/>
-                </a:solidFill>
-                <a:latin typeface="+mj-lt"/>
-                <a:ea typeface="+mj-ea"/>
-                <a:cs typeface="+mj-cs"/>
-              </a:defRPr>
-            </a:lvl1pPr>
-          </a:lstStyle>
-          <a:p>
-            <a:pPr>
-              <a:spcBef>
-                <a:spcPts val="0"/>
-              </a:spcBef>
-            </a:pPr>
-            <a:r>
-              <a:rPr lang="es-ES_tradnl" altLang="es-MX" sz="3200" b="1" dirty="0">
-                <a:solidFill>
-                  <a:schemeClr val="accent4">
-                    <a:lumMod val="50000"/>
-                  </a:schemeClr>
-                </a:solidFill>
-                <a:effectLst>
-                  <a:outerShdw blurRad="38100" dist="38100" dir="2700000" algn="tl">
-                    <a:srgbClr val="C0C0C0"/>
-                  </a:outerShdw>
-                </a:effectLst>
-                <a:latin typeface="Dom Casual" charset="0"/>
-              </a:rPr>
-              <a:t>Configuración de </a:t>
-            </a:r>
-            <a:r>
-              <a:rPr lang="es-ES_tradnl" altLang="es-MX" sz="3200" b="1" dirty="0" err="1">
-                <a:solidFill>
-                  <a:schemeClr val="accent4">
-                    <a:lumMod val="50000"/>
-                  </a:schemeClr>
-                </a:solidFill>
-                <a:effectLst>
-                  <a:outerShdw blurRad="38100" dist="38100" dir="2700000" algn="tl">
-                    <a:srgbClr val="C0C0C0"/>
-                  </a:outerShdw>
-                </a:effectLst>
-                <a:latin typeface="Dom Casual" charset="0"/>
-              </a:rPr>
-              <a:t>VPNs</a:t>
-            </a:r>
-            <a:r>
-              <a:rPr lang="es-ES_tradnl" altLang="es-MX" sz="3200" b="1" dirty="0">
-                <a:solidFill>
-                  <a:schemeClr val="accent4">
-                    <a:lumMod val="50000"/>
-                  </a:schemeClr>
-                </a:solidFill>
-                <a:effectLst>
-                  <a:outerShdw blurRad="38100" dist="38100" dir="2700000" algn="tl">
-                    <a:srgbClr val="C0C0C0"/>
-                  </a:outerShdw>
-                </a:effectLst>
-                <a:latin typeface="Dom Casual" charset="0"/>
-              </a:rPr>
-              <a:t> Ipsec</a:t>
-            </a:r>
-          </a:p>
-          <a:p>
-            <a:pPr>
-              <a:spcBef>
-                <a:spcPts val="0"/>
-              </a:spcBef>
-            </a:pPr>
-            <a:r>
-              <a:rPr lang="es-ES_tradnl" altLang="es-MX" sz="2000" b="1" dirty="0" err="1">
-                <a:solidFill>
-                  <a:schemeClr val="accent3">
-                    <a:lumMod val="75000"/>
-                  </a:schemeClr>
-                </a:solidFill>
-                <a:latin typeface="Dom Casual" charset="0"/>
-              </a:rPr>
-              <a:t>Router</a:t>
-            </a:r>
-            <a:r>
-              <a:rPr lang="es-ES_tradnl" altLang="es-MX" sz="2000" b="1" dirty="0">
-                <a:solidFill>
-                  <a:schemeClr val="accent3">
-                    <a:lumMod val="75000"/>
-                  </a:schemeClr>
-                </a:solidFill>
-                <a:latin typeface="Dom Casual" charset="0"/>
-              </a:rPr>
-              <a:t> B</a:t>
-            </a:r>
-          </a:p>
-        </p:txBody>
-      </p:sp>
     </p:spTree>
     <p:extLst>
       <p:ext uri="{BB962C8B-B14F-4D97-AF65-F5344CB8AC3E}">
-        <p14:creationId xmlns:p14="http://schemas.microsoft.com/office/powerpoint/2010/main" val="79619094"/>
+        <p14:creationId xmlns:p14="http://schemas.microsoft.com/office/powerpoint/2010/main" val="1781897721"/>
       </p:ext>
     </p:extLst>
   </p:cSld>
@@ -6651,21 +6665,54 @@
           <a:chExt cx="0" cy="0"/>
         </a:xfrm>
       </p:grpSpPr>
-      <p:sp>
-        <p:nvSpPr>
-          <p:cNvPr id="2" name="Content Placeholder 1"/>
-          <p:cNvSpPr>
-            <a:spLocks noGrp="1"/>
-          </p:cNvSpPr>
-          <p:nvPr>
-            <p:ph idx="1"/>
-          </p:nvPr>
-        </p:nvSpPr>
+      <p:pic>
+        <p:nvPicPr>
+          <p:cNvPr id="9" name="Imagen 8">
+            <a:extLst>
+              <a:ext uri="{FF2B5EF4-FFF2-40B4-BE49-F238E27FC236}">
+                <a16:creationId xmlns:a16="http://schemas.microsoft.com/office/drawing/2014/main" id="{4ECCD68E-A742-9712-A768-7B1D784FA5D3}"/>
+              </a:ext>
+            </a:extLst>
+          </p:cNvPr>
+          <p:cNvPicPr>
+            <a:picLocks noChangeAspect="1"/>
+          </p:cNvPicPr>
+          <p:nvPr/>
+        </p:nvPicPr>
+        <p:blipFill>
+          <a:blip r:embed="rId3"/>
+          <a:stretch>
+            <a:fillRect/>
+          </a:stretch>
+        </p:blipFill>
         <p:spPr>
           <a:xfrm>
-            <a:off x="395536" y="1484784"/>
-            <a:ext cx="8064896" cy="1781944"/>
+            <a:off x="871724" y="3717031"/>
+            <a:ext cx="7218548" cy="2793730"/>
           </a:xfrm>
+          <a:prstGeom prst="rect">
+            <a:avLst/>
+          </a:prstGeom>
+        </p:spPr>
+      </p:pic>
+      <p:sp>
+        <p:nvSpPr>
+          <p:cNvPr id="2" name="Content Placeholder 1"/>
+          <p:cNvSpPr>
+            <a:spLocks noGrp="1"/>
+          </p:cNvSpPr>
+          <p:nvPr>
+            <p:ph idx="1"/>
+          </p:nvPr>
+        </p:nvSpPr>
+        <p:spPr>
+          <a:xfrm>
+            <a:off x="467544" y="1143000"/>
+            <a:ext cx="8064896" cy="3078088"/>
+          </a:xfrm>
+          <a:solidFill>
+            <a:schemeClr val="bg1"/>
+          </a:solidFill>
         </p:spPr>
         <p:txBody>
           <a:bodyPr/>
@@ -6688,6 +6735,441 @@
                 <a:cs typeface="Arial" panose="020B0604020202020204" pitchFamily="34" charset="0"/>
               </a:rPr>
               <a:t>Paso 2. </a:t>
+            </a:r>
+            <a:r>
+              <a:rPr lang="es-ES" sz="1600" dirty="0">
+                <a:solidFill>
+                  <a:srgbClr val="000000"/>
+                </a:solidFill>
+                <a:latin typeface="Arial" panose="020B0604020202020204" pitchFamily="34" charset="0"/>
+                <a:cs typeface="Arial" panose="020B0604020202020204" pitchFamily="34" charset="0"/>
+              </a:rPr>
+              <a:t>Cree una política </a:t>
+            </a:r>
+            <a:r>
+              <a:rPr lang="es-ES" sz="1600" b="1" dirty="0">
+                <a:solidFill>
+                  <a:srgbClr val="000000"/>
+                </a:solidFill>
+                <a:latin typeface="Arial" panose="020B0604020202020204" pitchFamily="34" charset="0"/>
+                <a:cs typeface="Arial" panose="020B0604020202020204" pitchFamily="34" charset="0"/>
+              </a:rPr>
+              <a:t>ISAKMP</a:t>
+            </a:r>
+            <a:r>
+              <a:rPr lang="es-ES" sz="1600" dirty="0">
+                <a:solidFill>
+                  <a:srgbClr val="000000"/>
+                </a:solidFill>
+                <a:latin typeface="Arial" panose="020B0604020202020204" pitchFamily="34" charset="0"/>
+                <a:cs typeface="Arial" panose="020B0604020202020204" pitchFamily="34" charset="0"/>
+              </a:rPr>
+              <a:t> para las negociaciones de la Fase 1 para los túneles L2L.</a:t>
+            </a:r>
+          </a:p>
+          <a:p>
+            <a:pPr lvl="1" indent="0">
+              <a:lnSpc>
+                <a:spcPts val="2500"/>
+              </a:lnSpc>
+              <a:spcBef>
+                <a:spcPts val="0"/>
+              </a:spcBef>
+              <a:buNone/>
+            </a:pPr>
+            <a:endParaRPr lang="en-US" sz="1800" b="1" dirty="0">
+              <a:solidFill>
+                <a:srgbClr val="000000"/>
+              </a:solidFill>
+              <a:latin typeface="Arial" panose="020B0604020202020204" pitchFamily="34" charset="0"/>
+              <a:cs typeface="Arial" panose="020B0604020202020204" pitchFamily="34" charset="0"/>
+            </a:endParaRPr>
+          </a:p>
+          <a:p>
+            <a:pPr lvl="1" indent="0">
+              <a:lnSpc>
+                <a:spcPts val="2500"/>
+              </a:lnSpc>
+              <a:spcBef>
+                <a:spcPts val="0"/>
+              </a:spcBef>
+              <a:buNone/>
+            </a:pPr>
+            <a:r>
+              <a:rPr lang="en-US" sz="1800" b="1" dirty="0">
+                <a:solidFill>
+                  <a:srgbClr val="000000"/>
+                </a:solidFill>
+                <a:latin typeface="Arial" panose="020B0604020202020204" pitchFamily="34" charset="0"/>
+                <a:cs typeface="Arial" panose="020B0604020202020204" pitchFamily="34" charset="0"/>
+              </a:rPr>
+              <a:t>crypto </a:t>
+            </a:r>
+            <a:r>
+              <a:rPr lang="en-US" sz="1800" b="1" dirty="0" err="1">
+                <a:solidFill>
+                  <a:srgbClr val="000000"/>
+                </a:solidFill>
+                <a:latin typeface="Arial" panose="020B0604020202020204" pitchFamily="34" charset="0"/>
+                <a:cs typeface="Arial" panose="020B0604020202020204" pitchFamily="34" charset="0"/>
+              </a:rPr>
+              <a:t>isakmp</a:t>
+            </a:r>
+            <a:r>
+              <a:rPr lang="en-US" sz="1800" b="1" dirty="0">
+                <a:solidFill>
+                  <a:srgbClr val="000000"/>
+                </a:solidFill>
+                <a:latin typeface="Arial" panose="020B0604020202020204" pitchFamily="34" charset="0"/>
+                <a:cs typeface="Arial" panose="020B0604020202020204" pitchFamily="34" charset="0"/>
+              </a:rPr>
+              <a:t> policy </a:t>
+            </a:r>
+            <a:r>
+              <a:rPr lang="en-US" sz="1800" b="1" dirty="0">
+                <a:solidFill>
+                  <a:srgbClr val="00B0F0"/>
+                </a:solidFill>
+                <a:latin typeface="Arial" panose="020B0604020202020204" pitchFamily="34" charset="0"/>
+                <a:cs typeface="Arial" panose="020B0604020202020204" pitchFamily="34" charset="0"/>
+              </a:rPr>
+              <a:t>10</a:t>
+            </a:r>
+          </a:p>
+          <a:p>
+            <a:pPr lvl="1" indent="0">
+              <a:lnSpc>
+                <a:spcPts val="2500"/>
+              </a:lnSpc>
+              <a:spcBef>
+                <a:spcPts val="0"/>
+              </a:spcBef>
+              <a:buNone/>
+            </a:pPr>
+            <a:r>
+              <a:rPr lang="en-US" sz="1800" b="1" dirty="0">
+                <a:solidFill>
+                  <a:srgbClr val="000000"/>
+                </a:solidFill>
+                <a:latin typeface="Arial" panose="020B0604020202020204" pitchFamily="34" charset="0"/>
+                <a:cs typeface="Arial" panose="020B0604020202020204" pitchFamily="34" charset="0"/>
+              </a:rPr>
+              <a:t>encryption </a:t>
+            </a:r>
+            <a:r>
+              <a:rPr lang="en-US" sz="1800" b="1" dirty="0" err="1">
+                <a:solidFill>
+                  <a:srgbClr val="000000"/>
+                </a:solidFill>
+                <a:latin typeface="Arial" panose="020B0604020202020204" pitchFamily="34" charset="0"/>
+                <a:cs typeface="Arial" panose="020B0604020202020204" pitchFamily="34" charset="0"/>
+              </a:rPr>
+              <a:t>aes</a:t>
+            </a:r>
+            <a:endParaRPr lang="en-US" sz="1800" b="1" dirty="0">
+              <a:solidFill>
+                <a:srgbClr val="000000"/>
+              </a:solidFill>
+              <a:latin typeface="Arial" panose="020B0604020202020204" pitchFamily="34" charset="0"/>
+              <a:cs typeface="Arial" panose="020B0604020202020204" pitchFamily="34" charset="0"/>
+            </a:endParaRPr>
+          </a:p>
+          <a:p>
+            <a:pPr lvl="1" indent="0">
+              <a:lnSpc>
+                <a:spcPts val="2500"/>
+              </a:lnSpc>
+              <a:spcBef>
+                <a:spcPts val="0"/>
+              </a:spcBef>
+              <a:buNone/>
+            </a:pPr>
+            <a:r>
+              <a:rPr lang="en-US" sz="1800" b="1" dirty="0">
+                <a:solidFill>
+                  <a:srgbClr val="000000"/>
+                </a:solidFill>
+                <a:latin typeface="Arial" panose="020B0604020202020204" pitchFamily="34" charset="0"/>
+                <a:cs typeface="Arial" panose="020B0604020202020204" pitchFamily="34" charset="0"/>
+              </a:rPr>
+              <a:t>hash sha256</a:t>
+            </a:r>
+          </a:p>
+          <a:p>
+            <a:pPr lvl="1" indent="0">
+              <a:lnSpc>
+                <a:spcPts val="2500"/>
+              </a:lnSpc>
+              <a:spcBef>
+                <a:spcPts val="0"/>
+              </a:spcBef>
+              <a:buNone/>
+            </a:pPr>
+            <a:r>
+              <a:rPr lang="en-US" sz="1800" b="1" dirty="0">
+                <a:solidFill>
+                  <a:srgbClr val="000000"/>
+                </a:solidFill>
+                <a:latin typeface="Arial" panose="020B0604020202020204" pitchFamily="34" charset="0"/>
+                <a:cs typeface="Arial" panose="020B0604020202020204" pitchFamily="34" charset="0"/>
+              </a:rPr>
+              <a:t>authentication pre-share</a:t>
+            </a:r>
+          </a:p>
+          <a:p>
+            <a:pPr lvl="1" indent="0">
+              <a:lnSpc>
+                <a:spcPts val="2500"/>
+              </a:lnSpc>
+              <a:spcBef>
+                <a:spcPts val="0"/>
+              </a:spcBef>
+              <a:buNone/>
+            </a:pPr>
+            <a:r>
+              <a:rPr lang="en-US" sz="1800" b="1" dirty="0">
+                <a:solidFill>
+                  <a:srgbClr val="000000"/>
+                </a:solidFill>
+                <a:latin typeface="Arial" panose="020B0604020202020204" pitchFamily="34" charset="0"/>
+                <a:cs typeface="Arial" panose="020B0604020202020204" pitchFamily="34" charset="0"/>
+              </a:rPr>
+              <a:t>group 14</a:t>
+            </a:r>
+          </a:p>
+        </p:txBody>
+      </p:sp>
+      <p:sp>
+        <p:nvSpPr>
+          <p:cNvPr id="4" name="Rectangle 5">
+            <a:extLst>
+              <a:ext uri="{FF2B5EF4-FFF2-40B4-BE49-F238E27FC236}">
+                <a16:creationId xmlns:a16="http://schemas.microsoft.com/office/drawing/2014/main" id="{BD2FAA3E-64BB-4FFB-46CC-02579F1E62D9}"/>
+              </a:ext>
+            </a:extLst>
+          </p:cNvPr>
+          <p:cNvSpPr txBox="1">
+            <a:spLocks noChangeArrowheads="1"/>
+          </p:cNvSpPr>
+          <p:nvPr/>
+        </p:nvSpPr>
+        <p:spPr bwMode="auto">
+          <a:xfrm>
+            <a:off x="1003672" y="0"/>
+            <a:ext cx="7086600" cy="1143000"/>
+          </a:xfrm>
+          <a:prstGeom prst="rect">
+            <a:avLst/>
+          </a:prstGeom>
+          <a:noFill/>
+          <a:ln>
+            <a:noFill/>
+          </a:ln>
+          <a:extLst>
+            <a:ext uri="{909E8E84-426E-40DD-AFC4-6F175D3DCCD1}">
+              <a14:hiddenFill xmlns:a14="http://schemas.microsoft.com/office/drawing/2010/main">
+                <a:solidFill>
+                  <a:srgbClr val="FFFFFF"/>
+                </a:solidFill>
+              </a14:hiddenFill>
+            </a:ext>
+            <a:ext uri="{91240B29-F687-4F45-9708-019B960494DF}">
+              <a14:hiddenLine xmlns:a14="http://schemas.microsoft.com/office/drawing/2010/main" w="9525">
+                <a:solidFill>
+                  <a:srgbClr val="000000"/>
+                </a:solidFill>
+                <a:miter lim="800000"/>
+                <a:headEnd/>
+                <a:tailEnd/>
+              </a14:hiddenLine>
+            </a:ext>
+          </a:extLst>
+        </p:spPr>
+        <p:txBody>
+          <a:bodyPr vert="horz" lIns="91440" tIns="45720" rIns="91440" bIns="45720" rtlCol="0" anchor="ctr">
+            <a:normAutofit/>
+          </a:bodyPr>
+          <a:lstStyle>
+            <a:lvl1pPr algn="ctr" defTabSz="914400" rtl="0" eaLnBrk="1" latinLnBrk="0" hangingPunct="1">
+              <a:spcBef>
+                <a:spcPct val="0"/>
+              </a:spcBef>
+              <a:buNone/>
+              <a:defRPr sz="4400" kern="1200">
+                <a:solidFill>
+                  <a:srgbClr val="004C69"/>
+                </a:solidFill>
+                <a:latin typeface="+mj-lt"/>
+                <a:ea typeface="+mj-ea"/>
+                <a:cs typeface="+mj-cs"/>
+              </a:defRPr>
+            </a:lvl1pPr>
+          </a:lstStyle>
+          <a:p>
+            <a:pPr>
+              <a:spcBef>
+                <a:spcPts val="0"/>
+              </a:spcBef>
+            </a:pPr>
+            <a:r>
+              <a:rPr lang="es-ES_tradnl" altLang="es-MX" sz="3200" b="1" dirty="0">
+                <a:solidFill>
+                  <a:schemeClr val="accent4">
+                    <a:lumMod val="50000"/>
+                  </a:schemeClr>
+                </a:solidFill>
+                <a:effectLst>
+                  <a:outerShdw blurRad="38100" dist="38100" dir="2700000" algn="tl">
+                    <a:srgbClr val="C0C0C0"/>
+                  </a:outerShdw>
+                </a:effectLst>
+                <a:latin typeface="Dom Casual" charset="0"/>
+              </a:rPr>
+              <a:t>Configuración de </a:t>
+            </a:r>
+            <a:r>
+              <a:rPr lang="es-ES_tradnl" altLang="es-MX" sz="3200" b="1" dirty="0" err="1">
+                <a:solidFill>
+                  <a:schemeClr val="accent4">
+                    <a:lumMod val="50000"/>
+                  </a:schemeClr>
+                </a:solidFill>
+                <a:effectLst>
+                  <a:outerShdw blurRad="38100" dist="38100" dir="2700000" algn="tl">
+                    <a:srgbClr val="C0C0C0"/>
+                  </a:outerShdw>
+                </a:effectLst>
+                <a:latin typeface="Dom Casual" charset="0"/>
+              </a:rPr>
+              <a:t>VPNs</a:t>
+            </a:r>
+            <a:r>
+              <a:rPr lang="es-ES_tradnl" altLang="es-MX" sz="3200" b="1" dirty="0">
+                <a:solidFill>
+                  <a:schemeClr val="accent4">
+                    <a:lumMod val="50000"/>
+                  </a:schemeClr>
+                </a:solidFill>
+                <a:effectLst>
+                  <a:outerShdw blurRad="38100" dist="38100" dir="2700000" algn="tl">
+                    <a:srgbClr val="C0C0C0"/>
+                  </a:outerShdw>
+                </a:effectLst>
+                <a:latin typeface="Dom Casual" charset="0"/>
+              </a:rPr>
+              <a:t> Ipsec</a:t>
+            </a:r>
+          </a:p>
+          <a:p>
+            <a:pPr>
+              <a:spcBef>
+                <a:spcPts val="0"/>
+              </a:spcBef>
+            </a:pPr>
+            <a:r>
+              <a:rPr lang="es-ES_tradnl" altLang="es-MX" sz="2000" b="1" dirty="0" err="1">
+                <a:solidFill>
+                  <a:schemeClr val="accent3">
+                    <a:lumMod val="75000"/>
+                  </a:schemeClr>
+                </a:solidFill>
+                <a:latin typeface="Dom Casual" charset="0"/>
+              </a:rPr>
+              <a:t>Router</a:t>
+            </a:r>
+            <a:r>
+              <a:rPr lang="es-ES_tradnl" altLang="es-MX" sz="2000" b="1" dirty="0">
+                <a:solidFill>
+                  <a:schemeClr val="accent3">
+                    <a:lumMod val="75000"/>
+                  </a:schemeClr>
+                </a:solidFill>
+                <a:latin typeface="Dom Casual" charset="0"/>
+              </a:rPr>
+              <a:t> B</a:t>
+            </a:r>
+          </a:p>
+        </p:txBody>
+      </p:sp>
+    </p:spTree>
+    <p:extLst>
+      <p:ext uri="{BB962C8B-B14F-4D97-AF65-F5344CB8AC3E}">
+        <p14:creationId xmlns:p14="http://schemas.microsoft.com/office/powerpoint/2010/main" val="79619094"/>
+      </p:ext>
+    </p:extLst>
+  </p:cSld>
+  <p:clrMapOvr>
+    <a:masterClrMapping/>
+  </p:clrMapOvr>
+  <mc:AlternateContent xmlns:mc="http://schemas.openxmlformats.org/markup-compatibility/2006" xmlns:p14="http://schemas.microsoft.com/office/powerpoint/2010/main">
+    <mc:Choice Requires="p14">
+      <p:transition spd="med" p14:dur="700">
+        <p:fade/>
+      </p:transition>
+    </mc:Choice>
+    <mc:Fallback xmlns="">
+      <p:transition xmlns:p14="http://schemas.microsoft.com/office/powerpoint/2010/main" spd="med">
+        <p:fade/>
+      </p:transition>
+    </mc:Fallback>
+  </mc:AlternateContent>
+</p:sld>
+</file>
+
+<file path=ppt/slides/slide14.xml><?xml version="1.0" encoding="utf-8"?>
+<p:sld xmlns:a="http://schemas.openxmlformats.org/drawingml/2006/main" xmlns:r="http://schemas.openxmlformats.org/officeDocument/2006/relationships" xmlns:p="http://schemas.openxmlformats.org/presentationml/2006/main">
+  <p:cSld>
+    <p:spTree>
+      <p:nvGrpSpPr>
+        <p:cNvPr id="1" name=""/>
+        <p:cNvGrpSpPr/>
+        <p:nvPr/>
+      </p:nvGrpSpPr>
+      <p:grpSpPr>
+        <a:xfrm>
+          <a:off x="0" y="0"/>
+          <a:ext cx="0" cy="0"/>
+          <a:chOff x="0" y="0"/>
+          <a:chExt cx="0" cy="0"/>
+        </a:xfrm>
+      </p:grpSpPr>
+      <p:sp>
+        <p:nvSpPr>
+          <p:cNvPr id="2" name="Content Placeholder 1"/>
+          <p:cNvSpPr>
+            <a:spLocks noGrp="1"/>
+          </p:cNvSpPr>
+          <p:nvPr>
+            <p:ph idx="1"/>
+          </p:nvPr>
+        </p:nvSpPr>
+        <p:spPr>
+          <a:xfrm>
+            <a:off x="395536" y="1484784"/>
+            <a:ext cx="8064896" cy="1781944"/>
+          </a:xfrm>
+        </p:spPr>
+        <p:txBody>
+          <a:bodyPr/>
+          <a:lstStyle/>
+          <a:p>
+            <a:pPr indent="0" algn="l">
+              <a:lnSpc>
+                <a:spcPct val="150000"/>
+              </a:lnSpc>
+              <a:spcBef>
+                <a:spcPts val="0"/>
+              </a:spcBef>
+            </a:pPr>
+            <a:r>
+              <a:rPr lang="es-ES" sz="1600" b="1" dirty="0">
+                <a:solidFill>
+                  <a:srgbClr val="FF0000"/>
+                </a:solidFill>
+                <a:latin typeface="Arial" panose="020B0604020202020204" pitchFamily="34" charset="0"/>
+                <a:cs typeface="Arial" panose="020B0604020202020204" pitchFamily="34" charset="0"/>
+              </a:rPr>
+              <a:t>Paso 3. </a:t>
             </a:r>
             <a:r>
               <a:rPr lang="es-ES" sz="1600" dirty="0">
@@ -7034,7 +7516,7 @@
 </p:sld>
 </file>
 
-<file path=ppt/slides/slide14.xml><?xml version="1.0" encoding="utf-8"?>
+<file path=ppt/slides/slide15.xml><?xml version="1.0" encoding="utf-8"?>
 <p:sld xmlns:a="http://schemas.openxmlformats.org/drawingml/2006/main" xmlns:r="http://schemas.openxmlformats.org/officeDocument/2006/relationships" xmlns:p="http://schemas.openxmlformats.org/presentationml/2006/main">
   <p:cSld>
     <p:spTree>
@@ -7087,7 +7569,7 @@
                 <a:latin typeface="Arial" panose="020B0604020202020204" pitchFamily="34" charset="0"/>
                 <a:cs typeface="Arial" panose="020B0604020202020204" pitchFamily="34" charset="0"/>
               </a:rPr>
-              <a:t>Paso 3. </a:t>
+              <a:t>Paso 4. </a:t>
             </a:r>
             <a:r>
               <a:rPr lang="es-ES" sz="1600" dirty="0">
@@ -7161,7 +7643,7 @@
             <a:r>
               <a:rPr lang="en-US" sz="1800" b="1" dirty="0" err="1">
                 <a:solidFill>
-                  <a:srgbClr val="000000"/>
+                  <a:srgbClr val="00B0F0"/>
                 </a:solidFill>
                 <a:latin typeface="Arial" panose="020B0604020202020204" pitchFamily="34" charset="0"/>
                 <a:cs typeface="Arial" panose="020B0604020202020204" pitchFamily="34" charset="0"/>
@@ -7387,488 +7869,6 @@
     <p:extLst>
       <p:ext uri="{BB962C8B-B14F-4D97-AF65-F5344CB8AC3E}">
         <p14:creationId xmlns:p14="http://schemas.microsoft.com/office/powerpoint/2010/main" val="880363725"/>
-      </p:ext>
-    </p:extLst>
-  </p:cSld>
-  <p:clrMapOvr>
-    <a:masterClrMapping/>
-  </p:clrMapOvr>
-  <mc:AlternateContent xmlns:mc="http://schemas.openxmlformats.org/markup-compatibility/2006" xmlns:p14="http://schemas.microsoft.com/office/powerpoint/2010/main">
-    <mc:Choice Requires="p14">
-      <p:transition spd="med" p14:dur="700">
-        <p:fade/>
-      </p:transition>
-    </mc:Choice>
-    <mc:Fallback xmlns="">
-      <p:transition xmlns:p14="http://schemas.microsoft.com/office/powerpoint/2010/main" spd="med">
-        <p:fade/>
-      </p:transition>
-    </mc:Fallback>
-  </mc:AlternateContent>
-</p:sld>
-</file>
-
-<file path=ppt/slides/slide15.xml><?xml version="1.0" encoding="utf-8"?>
-<p:sld xmlns:a="http://schemas.openxmlformats.org/drawingml/2006/main" xmlns:r="http://schemas.openxmlformats.org/officeDocument/2006/relationships" xmlns:p="http://schemas.openxmlformats.org/presentationml/2006/main">
-  <p:cSld>
-    <p:spTree>
-      <p:nvGrpSpPr>
-        <p:cNvPr id="1" name=""/>
-        <p:cNvGrpSpPr/>
-        <p:nvPr/>
-      </p:nvGrpSpPr>
-      <p:grpSpPr>
-        <a:xfrm>
-          <a:off x="0" y="0"/>
-          <a:ext cx="0" cy="0"/>
-          <a:chOff x="0" y="0"/>
-          <a:chExt cx="0" cy="0"/>
-        </a:xfrm>
-      </p:grpSpPr>
-      <p:sp>
-        <p:nvSpPr>
-          <p:cNvPr id="2" name="Content Placeholder 1"/>
-          <p:cNvSpPr>
-            <a:spLocks noGrp="1"/>
-          </p:cNvSpPr>
-          <p:nvPr>
-            <p:ph idx="1"/>
-          </p:nvPr>
-        </p:nvSpPr>
-        <p:spPr>
-          <a:xfrm>
-            <a:off x="467544" y="1490239"/>
-            <a:ext cx="7992888" cy="1944216"/>
-          </a:xfrm>
-        </p:spPr>
-        <p:txBody>
-          <a:bodyPr/>
-          <a:lstStyle/>
-          <a:p>
-            <a:pPr indent="0" algn="just">
-              <a:lnSpc>
-                <a:spcPct val="150000"/>
-              </a:lnSpc>
-              <a:spcBef>
-                <a:spcPts val="0"/>
-              </a:spcBef>
-            </a:pPr>
-            <a:r>
-              <a:rPr lang="es-ES" sz="1600" b="1" dirty="0">
-                <a:solidFill>
-                  <a:srgbClr val="FF0000"/>
-                </a:solidFill>
-                <a:latin typeface="Arial" panose="020B0604020202020204" pitchFamily="34" charset="0"/>
-                <a:cs typeface="Arial" panose="020B0604020202020204" pitchFamily="34" charset="0"/>
-              </a:rPr>
-              <a:t>Paso 4. </a:t>
-            </a:r>
-            <a:r>
-              <a:rPr lang="es-ES" sz="1600" dirty="0">
-                <a:solidFill>
-                  <a:srgbClr val="000000"/>
-                </a:solidFill>
-                <a:latin typeface="Arial" panose="020B0604020202020204" pitchFamily="34" charset="0"/>
-                <a:cs typeface="Arial" panose="020B0604020202020204" pitchFamily="34" charset="0"/>
-              </a:rPr>
-              <a:t>Cree una </a:t>
-            </a:r>
-            <a:r>
-              <a:rPr lang="es-ES" sz="1600" b="1" dirty="0">
-                <a:solidFill>
-                  <a:schemeClr val="accent6">
-                    <a:lumMod val="75000"/>
-                  </a:schemeClr>
-                </a:solidFill>
-                <a:latin typeface="Arial" panose="020B0604020202020204" pitchFamily="34" charset="0"/>
-                <a:cs typeface="Arial" panose="020B0604020202020204" pitchFamily="34" charset="0"/>
-              </a:rPr>
-              <a:t>ACL para cifrar el tráfico</a:t>
-            </a:r>
-            <a:r>
-              <a:rPr lang="es-ES" sz="1600" dirty="0">
-                <a:solidFill>
-                  <a:srgbClr val="000000"/>
-                </a:solidFill>
-                <a:latin typeface="Arial" panose="020B0604020202020204" pitchFamily="34" charset="0"/>
-                <a:cs typeface="Arial" panose="020B0604020202020204" pitchFamily="34" charset="0"/>
-              </a:rPr>
-              <a:t>. </a:t>
-            </a:r>
-          </a:p>
-          <a:p>
-            <a:pPr indent="0" algn="just">
-              <a:lnSpc>
-                <a:spcPct val="150000"/>
-              </a:lnSpc>
-              <a:spcBef>
-                <a:spcPts val="0"/>
-              </a:spcBef>
-            </a:pPr>
-            <a:r>
-              <a:rPr lang="es-ES" sz="1600" dirty="0">
-                <a:solidFill>
-                  <a:srgbClr val="000000"/>
-                </a:solidFill>
-                <a:latin typeface="Arial" panose="020B0604020202020204" pitchFamily="34" charset="0"/>
-                <a:cs typeface="Arial" panose="020B0604020202020204" pitchFamily="34" charset="0"/>
-              </a:rPr>
-              <a:t>En este ejemplo, el tráfico de </a:t>
-            </a:r>
-            <a:r>
-              <a:rPr lang="es-ES" sz="1600" b="1" dirty="0">
-                <a:solidFill>
-                  <a:srgbClr val="000000"/>
-                </a:solidFill>
-                <a:latin typeface="Arial" panose="020B0604020202020204" pitchFamily="34" charset="0"/>
-                <a:cs typeface="Arial" panose="020B0604020202020204" pitchFamily="34" charset="0"/>
-              </a:rPr>
-              <a:t>172.16.2.0/24</a:t>
-            </a:r>
-            <a:r>
-              <a:rPr lang="es-ES" sz="1600" dirty="0">
-                <a:solidFill>
-                  <a:srgbClr val="000000"/>
-                </a:solidFill>
-                <a:latin typeface="Arial" panose="020B0604020202020204" pitchFamily="34" charset="0"/>
-                <a:cs typeface="Arial" panose="020B0604020202020204" pitchFamily="34" charset="0"/>
-              </a:rPr>
-              <a:t> a </a:t>
-            </a:r>
-            <a:r>
-              <a:rPr lang="es-ES" sz="1600" b="1" dirty="0">
-                <a:solidFill>
-                  <a:srgbClr val="000000"/>
-                </a:solidFill>
-                <a:latin typeface="Arial" panose="020B0604020202020204" pitchFamily="34" charset="0"/>
-                <a:cs typeface="Arial" panose="020B0604020202020204" pitchFamily="34" charset="0"/>
-              </a:rPr>
-              <a:t>10.1.1.0/24</a:t>
-            </a:r>
-            <a:r>
-              <a:rPr lang="es-ES" sz="1600" dirty="0">
-                <a:solidFill>
-                  <a:srgbClr val="000000"/>
-                </a:solidFill>
-                <a:latin typeface="Arial" panose="020B0604020202020204" pitchFamily="34" charset="0"/>
-                <a:cs typeface="Arial" panose="020B0604020202020204" pitchFamily="34" charset="0"/>
-              </a:rPr>
-              <a:t> está encriptado. El tráfico que no coincide con la lista de acceso no está encriptado para Internet.</a:t>
-            </a:r>
-          </a:p>
-          <a:p>
-            <a:pPr lvl="1" indent="0">
-              <a:lnSpc>
-                <a:spcPts val="2500"/>
-              </a:lnSpc>
-              <a:spcBef>
-                <a:spcPts val="0"/>
-              </a:spcBef>
-              <a:buNone/>
-            </a:pPr>
-            <a:endParaRPr lang="en-US" sz="1800" b="1" dirty="0">
-              <a:solidFill>
-                <a:srgbClr val="000000"/>
-              </a:solidFill>
-              <a:latin typeface="Arial" panose="020B0604020202020204" pitchFamily="34" charset="0"/>
-              <a:cs typeface="Arial" panose="020B0604020202020204" pitchFamily="34" charset="0"/>
-            </a:endParaRPr>
-          </a:p>
-          <a:p>
-            <a:pPr lvl="1" indent="-476250">
-              <a:lnSpc>
-                <a:spcPts val="2500"/>
-              </a:lnSpc>
-              <a:spcBef>
-                <a:spcPts val="0"/>
-              </a:spcBef>
-              <a:buNone/>
-            </a:pPr>
-            <a:r>
-              <a:rPr lang="en-US" sz="1800" b="1" dirty="0">
-                <a:solidFill>
-                  <a:srgbClr val="000000"/>
-                </a:solidFill>
-                <a:latin typeface="Arial" panose="020B0604020202020204" pitchFamily="34" charset="0"/>
-                <a:cs typeface="Arial" panose="020B0604020202020204" pitchFamily="34" charset="0"/>
-              </a:rPr>
-              <a:t>access-list </a:t>
-            </a:r>
-            <a:r>
-              <a:rPr lang="en-US" sz="1800" b="1" dirty="0">
-                <a:solidFill>
-                  <a:schemeClr val="accent6">
-                    <a:lumMod val="75000"/>
-                  </a:schemeClr>
-                </a:solidFill>
-                <a:latin typeface="Arial" panose="020B0604020202020204" pitchFamily="34" charset="0"/>
-                <a:cs typeface="Arial" panose="020B0604020202020204" pitchFamily="34" charset="0"/>
-              </a:rPr>
-              <a:t>100 </a:t>
-            </a:r>
-            <a:r>
-              <a:rPr lang="en-US" sz="1800" b="1" dirty="0">
-                <a:solidFill>
-                  <a:srgbClr val="000000"/>
-                </a:solidFill>
-                <a:latin typeface="Arial" panose="020B0604020202020204" pitchFamily="34" charset="0"/>
-                <a:cs typeface="Arial" panose="020B0604020202020204" pitchFamily="34" charset="0"/>
-              </a:rPr>
-              <a:t>permit </a:t>
-            </a:r>
-            <a:r>
-              <a:rPr lang="en-US" sz="1800" b="1" dirty="0" err="1">
-                <a:solidFill>
-                  <a:srgbClr val="000000"/>
-                </a:solidFill>
-                <a:latin typeface="Arial" panose="020B0604020202020204" pitchFamily="34" charset="0"/>
-                <a:cs typeface="Arial" panose="020B0604020202020204" pitchFamily="34" charset="0"/>
-              </a:rPr>
-              <a:t>ip</a:t>
-            </a:r>
-            <a:r>
-              <a:rPr lang="en-US" sz="1800" b="1" dirty="0">
-                <a:solidFill>
-                  <a:srgbClr val="000000"/>
-                </a:solidFill>
-                <a:latin typeface="Arial" panose="020B0604020202020204" pitchFamily="34" charset="0"/>
-                <a:cs typeface="Arial" panose="020B0604020202020204" pitchFamily="34" charset="0"/>
-              </a:rPr>
-              <a:t> </a:t>
-            </a:r>
-            <a:r>
-              <a:rPr lang="en-US" sz="1800" b="1" dirty="0">
-                <a:solidFill>
-                  <a:schemeClr val="accent6">
-                    <a:lumMod val="75000"/>
-                  </a:schemeClr>
-                </a:solidFill>
-                <a:latin typeface="Arial" panose="020B0604020202020204" pitchFamily="34" charset="0"/>
-                <a:cs typeface="Arial" panose="020B0604020202020204" pitchFamily="34" charset="0"/>
-              </a:rPr>
-              <a:t>172.16.2.0</a:t>
-            </a:r>
-            <a:r>
-              <a:rPr lang="en-US" sz="1800" b="1" dirty="0">
-                <a:solidFill>
-                  <a:srgbClr val="000000"/>
-                </a:solidFill>
-                <a:latin typeface="Arial" panose="020B0604020202020204" pitchFamily="34" charset="0"/>
-                <a:cs typeface="Arial" panose="020B0604020202020204" pitchFamily="34" charset="0"/>
-              </a:rPr>
-              <a:t> 0.0.0.255 </a:t>
-            </a:r>
-            <a:r>
-              <a:rPr lang="en-US" sz="1800" b="1" dirty="0">
-                <a:solidFill>
-                  <a:schemeClr val="accent6">
-                    <a:lumMod val="75000"/>
-                  </a:schemeClr>
-                </a:solidFill>
-                <a:latin typeface="Arial" panose="020B0604020202020204" pitchFamily="34" charset="0"/>
-                <a:cs typeface="Arial" panose="020B0604020202020204" pitchFamily="34" charset="0"/>
-              </a:rPr>
-              <a:t>10.1.1.0 </a:t>
-            </a:r>
-            <a:r>
-              <a:rPr lang="en-US" sz="1800" b="1" dirty="0">
-                <a:solidFill>
-                  <a:srgbClr val="000000"/>
-                </a:solidFill>
-                <a:latin typeface="Arial" panose="020B0604020202020204" pitchFamily="34" charset="0"/>
-                <a:cs typeface="Arial" panose="020B0604020202020204" pitchFamily="34" charset="0"/>
-              </a:rPr>
-              <a:t>0.0.0.255</a:t>
-            </a:r>
-          </a:p>
-        </p:txBody>
-      </p:sp>
-      <p:sp>
-        <p:nvSpPr>
-          <p:cNvPr id="4" name="Rectangle 5">
-            <a:extLst>
-              <a:ext uri="{FF2B5EF4-FFF2-40B4-BE49-F238E27FC236}">
-                <a16:creationId xmlns:a16="http://schemas.microsoft.com/office/drawing/2014/main" id="{BD2FAA3E-64BB-4FFB-46CC-02579F1E62D9}"/>
-              </a:ext>
-            </a:extLst>
-          </p:cNvPr>
-          <p:cNvSpPr txBox="1">
-            <a:spLocks noChangeArrowheads="1"/>
-          </p:cNvSpPr>
-          <p:nvPr/>
-        </p:nvSpPr>
-        <p:spPr bwMode="auto">
-          <a:xfrm>
-            <a:off x="1028700" y="188640"/>
-            <a:ext cx="7086600" cy="1143000"/>
-          </a:xfrm>
-          <a:prstGeom prst="rect">
-            <a:avLst/>
-          </a:prstGeom>
-          <a:noFill/>
-          <a:ln>
-            <a:noFill/>
-          </a:ln>
-          <a:extLst>
-            <a:ext uri="{909E8E84-426E-40DD-AFC4-6F175D3DCCD1}">
-              <a14:hiddenFill xmlns:a14="http://schemas.microsoft.com/office/drawing/2010/main">
-                <a:solidFill>
-                  <a:srgbClr val="FFFFFF"/>
-                </a:solidFill>
-              </a14:hiddenFill>
-            </a:ext>
-            <a:ext uri="{91240B29-F687-4F45-9708-019B960494DF}">
-              <a14:hiddenLine xmlns:a14="http://schemas.microsoft.com/office/drawing/2010/main" w="9525">
-                <a:solidFill>
-                  <a:srgbClr val="000000"/>
-                </a:solidFill>
-                <a:miter lim="800000"/>
-                <a:headEnd/>
-                <a:tailEnd/>
-              </a14:hiddenLine>
-            </a:ext>
-          </a:extLst>
-        </p:spPr>
-        <p:txBody>
-          <a:bodyPr vert="horz" lIns="91440" tIns="45720" rIns="91440" bIns="45720" rtlCol="0" anchor="ctr">
-            <a:normAutofit/>
-          </a:bodyPr>
-          <a:lstStyle>
-            <a:lvl1pPr algn="ctr" defTabSz="914400" rtl="0" eaLnBrk="1" latinLnBrk="0" hangingPunct="1">
-              <a:spcBef>
-                <a:spcPct val="0"/>
-              </a:spcBef>
-              <a:buNone/>
-              <a:defRPr sz="4400" kern="1200">
-                <a:solidFill>
-                  <a:srgbClr val="004C69"/>
-                </a:solidFill>
-                <a:latin typeface="+mj-lt"/>
-                <a:ea typeface="+mj-ea"/>
-                <a:cs typeface="+mj-cs"/>
-              </a:defRPr>
-            </a:lvl1pPr>
-          </a:lstStyle>
-          <a:p>
-            <a:pPr>
-              <a:spcBef>
-                <a:spcPts val="0"/>
-              </a:spcBef>
-            </a:pPr>
-            <a:r>
-              <a:rPr lang="es-ES_tradnl" altLang="es-MX" sz="3200" b="1" dirty="0">
-                <a:solidFill>
-                  <a:schemeClr val="accent4">
-                    <a:lumMod val="50000"/>
-                  </a:schemeClr>
-                </a:solidFill>
-                <a:effectLst>
-                  <a:outerShdw blurRad="38100" dist="38100" dir="2700000" algn="tl">
-                    <a:srgbClr val="C0C0C0"/>
-                  </a:outerShdw>
-                </a:effectLst>
-                <a:latin typeface="Dom Casual" charset="0"/>
-              </a:rPr>
-              <a:t>Configuración de </a:t>
-            </a:r>
-            <a:r>
-              <a:rPr lang="es-ES_tradnl" altLang="es-MX" sz="3200" b="1" dirty="0" err="1">
-                <a:solidFill>
-                  <a:schemeClr val="accent4">
-                    <a:lumMod val="50000"/>
-                  </a:schemeClr>
-                </a:solidFill>
-                <a:effectLst>
-                  <a:outerShdw blurRad="38100" dist="38100" dir="2700000" algn="tl">
-                    <a:srgbClr val="C0C0C0"/>
-                  </a:outerShdw>
-                </a:effectLst>
-                <a:latin typeface="Dom Casual" charset="0"/>
-              </a:rPr>
-              <a:t>VPNs</a:t>
-            </a:r>
-            <a:r>
-              <a:rPr lang="es-ES_tradnl" altLang="es-MX" sz="3200" b="1" dirty="0">
-                <a:solidFill>
-                  <a:schemeClr val="accent4">
-                    <a:lumMod val="50000"/>
-                  </a:schemeClr>
-                </a:solidFill>
-                <a:effectLst>
-                  <a:outerShdw blurRad="38100" dist="38100" dir="2700000" algn="tl">
-                    <a:srgbClr val="C0C0C0"/>
-                  </a:outerShdw>
-                </a:effectLst>
-                <a:latin typeface="Dom Casual" charset="0"/>
-              </a:rPr>
-              <a:t> Ipsec</a:t>
-            </a:r>
-          </a:p>
-          <a:p>
-            <a:pPr>
-              <a:spcBef>
-                <a:spcPts val="0"/>
-              </a:spcBef>
-            </a:pPr>
-            <a:r>
-              <a:rPr lang="es-ES_tradnl" altLang="es-MX" sz="2000" b="1" dirty="0" err="1">
-                <a:solidFill>
-                  <a:schemeClr val="accent3">
-                    <a:lumMod val="75000"/>
-                  </a:schemeClr>
-                </a:solidFill>
-                <a:latin typeface="Dom Casual" charset="0"/>
-              </a:rPr>
-              <a:t>Router</a:t>
-            </a:r>
-            <a:r>
-              <a:rPr lang="es-ES_tradnl" altLang="es-MX" sz="2000" b="1" dirty="0">
-                <a:solidFill>
-                  <a:schemeClr val="accent3">
-                    <a:lumMod val="75000"/>
-                  </a:schemeClr>
-                </a:solidFill>
-                <a:latin typeface="Dom Casual" charset="0"/>
-              </a:rPr>
-              <a:t> B</a:t>
-            </a:r>
-          </a:p>
-        </p:txBody>
-      </p:sp>
-      <p:pic>
-        <p:nvPicPr>
-          <p:cNvPr id="9" name="Imagen 8">
-            <a:extLst>
-              <a:ext uri="{FF2B5EF4-FFF2-40B4-BE49-F238E27FC236}">
-                <a16:creationId xmlns:a16="http://schemas.microsoft.com/office/drawing/2014/main" id="{4ECCD68E-A742-9712-A768-7B1D784FA5D3}"/>
-              </a:ext>
-            </a:extLst>
-          </p:cNvPr>
-          <p:cNvPicPr>
-            <a:picLocks noChangeAspect="1"/>
-          </p:cNvPicPr>
-          <p:nvPr/>
-        </p:nvPicPr>
-        <p:blipFill>
-          <a:blip r:embed="rId3"/>
-          <a:stretch>
-            <a:fillRect/>
-          </a:stretch>
-        </p:blipFill>
-        <p:spPr>
-          <a:xfrm>
-            <a:off x="896752" y="3593054"/>
-            <a:ext cx="7218548" cy="2793730"/>
-          </a:xfrm>
-          <a:prstGeom prst="rect">
-            <a:avLst/>
-          </a:prstGeom>
-        </p:spPr>
-      </p:pic>
-    </p:spTree>
-    <p:extLst>
-      <p:ext uri="{BB962C8B-B14F-4D97-AF65-F5344CB8AC3E}">
-        <p14:creationId xmlns:p14="http://schemas.microsoft.com/office/powerpoint/2010/main" val="1390974341"/>
       </p:ext>
     </p:extLst>
   </p:cSld>
@@ -8163,7 +8163,7 @@
             <a:r>
               <a:rPr lang="en-US" sz="1800" b="1" dirty="0" err="1">
                 <a:solidFill>
-                  <a:srgbClr val="000000"/>
+                  <a:srgbClr val="00B0F0"/>
                 </a:solidFill>
                 <a:latin typeface="Arial" panose="020B0604020202020204" pitchFamily="34" charset="0"/>
                 <a:cs typeface="Arial" panose="020B0604020202020204" pitchFamily="34" charset="0"/>
@@ -8172,7 +8172,7 @@
             </a:r>
             <a:endParaRPr lang="en-US" sz="1800" b="1" dirty="0">
               <a:solidFill>
-                <a:srgbClr val="000000"/>
+                <a:srgbClr val="00B0F0"/>
               </a:solidFill>
               <a:latin typeface="Arial" panose="020B0604020202020204" pitchFamily="34" charset="0"/>
               <a:cs typeface="Arial" panose="020B0604020202020204" pitchFamily="34" charset="0"/>
@@ -11161,8 +11161,8 @@
         </p:nvSpPr>
         <p:spPr>
           <a:xfrm>
-            <a:off x="467544" y="1143000"/>
-            <a:ext cx="8208912" cy="5454352"/>
+            <a:off x="323528" y="1556792"/>
+            <a:ext cx="8352928" cy="4536504"/>
           </a:xfrm>
           <a:solidFill>
             <a:schemeClr val="bg1"/>
@@ -11224,7 +11224,7 @@
           <a:p>
             <a:pPr indent="0" algn="l">
               <a:spcBef>
-                <a:spcPts val="0"/>
+                <a:spcPts val="1200"/>
               </a:spcBef>
             </a:pPr>
             <a:r>
@@ -11237,16 +11237,6 @@
               </a:rPr>
               <a:t> </a:t>
             </a:r>
-          </a:p>
-          <a:p>
-            <a:pPr indent="0" algn="l">
-              <a:lnSpc>
-                <a:spcPts val="2500"/>
-              </a:lnSpc>
-              <a:spcBef>
-                <a:spcPts val="0"/>
-              </a:spcBef>
-            </a:pPr>
             <a:r>
               <a:rPr lang="es-ES" sz="1600" b="1" dirty="0" err="1">
                 <a:solidFill>
@@ -11310,7 +11300,9 @@
             <a:r>
               <a:rPr lang="es-ES" sz="1600" b="1" i="1" dirty="0" err="1">
                 <a:solidFill>
-                  <a:srgbClr val="000000"/>
+                  <a:schemeClr val="accent6">
+                    <a:lumMod val="75000"/>
+                  </a:schemeClr>
                 </a:solidFill>
                 <a:latin typeface="Arial" panose="020B0604020202020204" pitchFamily="34" charset="0"/>
                 <a:cs typeface="Arial" panose="020B0604020202020204" pitchFamily="34" charset="0"/>
@@ -11319,14 +11311,16 @@
             </a:r>
             <a:endParaRPr lang="es-ES" sz="1600" i="1" dirty="0">
               <a:solidFill>
-                <a:srgbClr val="000000"/>
+                <a:schemeClr val="accent6">
+                  <a:lumMod val="75000"/>
+                </a:schemeClr>
               </a:solidFill>
               <a:latin typeface="Arial" panose="020B0604020202020204" pitchFamily="34" charset="0"/>
               <a:cs typeface="Arial" panose="020B0604020202020204" pitchFamily="34" charset="0"/>
             </a:endParaRPr>
           </a:p>
           <a:p>
-            <a:pPr indent="0" algn="l">
+            <a:pPr indent="0" algn="just">
               <a:lnSpc>
                 <a:spcPts val="2500"/>
               </a:lnSpc>
@@ -11585,183 +11579,56 @@
               </a:rPr>
               <a:t> asigna una prioridad a la política, donde 1 es la prioridad más alta.</a:t>
             </a:r>
-            <a:r>
-              <a:rPr lang="en-US" sz="1800" b="1" dirty="0">
-                <a:solidFill>
-                  <a:srgbClr val="000000"/>
-                </a:solidFill>
-                <a:latin typeface="Arial" panose="020B0604020202020204" pitchFamily="34" charset="0"/>
-                <a:cs typeface="Arial" panose="020B0604020202020204" pitchFamily="34" charset="0"/>
-              </a:rPr>
-              <a:t> </a:t>
-            </a:r>
-          </a:p>
-          <a:p>
-            <a:pPr lvl="1" indent="0">
-              <a:spcBef>
-                <a:spcPts val="0"/>
-              </a:spcBef>
-              <a:buNone/>
-            </a:pPr>
-            <a:endParaRPr lang="en-US" sz="1400" b="1" dirty="0">
-              <a:solidFill>
-                <a:srgbClr val="000000"/>
-              </a:solidFill>
-              <a:latin typeface="Arial" panose="020B0604020202020204" pitchFamily="34" charset="0"/>
-              <a:cs typeface="Arial" panose="020B0604020202020204" pitchFamily="34" charset="0"/>
-            </a:endParaRPr>
-          </a:p>
-          <a:p>
-            <a:pPr lvl="1" indent="0">
+          </a:p>
+          <a:p>
+            <a:pPr indent="0" algn="l">
               <a:lnSpc>
                 <a:spcPts val="2500"/>
               </a:lnSpc>
               <a:spcBef>
-                <a:spcPts val="0"/>
-              </a:spcBef>
-              <a:buNone/>
-            </a:pPr>
-            <a:r>
-              <a:rPr lang="en-US" sz="1800" b="1" dirty="0">
-                <a:solidFill>
-                  <a:srgbClr val="000000"/>
-                </a:solidFill>
-                <a:latin typeface="Arial" panose="020B0604020202020204" pitchFamily="34" charset="0"/>
-                <a:cs typeface="Arial" panose="020B0604020202020204" pitchFamily="34" charset="0"/>
-              </a:rPr>
-              <a:t>crypto </a:t>
-            </a:r>
-            <a:r>
-              <a:rPr lang="en-US" sz="1800" b="1" dirty="0" err="1">
-                <a:solidFill>
-                  <a:srgbClr val="000000"/>
-                </a:solidFill>
-                <a:latin typeface="Arial" panose="020B0604020202020204" pitchFamily="34" charset="0"/>
-                <a:cs typeface="Arial" panose="020B0604020202020204" pitchFamily="34" charset="0"/>
-              </a:rPr>
-              <a:t>isakmp</a:t>
-            </a:r>
-            <a:r>
-              <a:rPr lang="en-US" sz="1800" b="1" dirty="0">
-                <a:solidFill>
-                  <a:srgbClr val="000000"/>
-                </a:solidFill>
-                <a:latin typeface="Arial" panose="020B0604020202020204" pitchFamily="34" charset="0"/>
-                <a:cs typeface="Arial" panose="020B0604020202020204" pitchFamily="34" charset="0"/>
-              </a:rPr>
-              <a:t> policy 10</a:t>
-            </a:r>
-          </a:p>
-          <a:p>
-            <a:pPr lvl="1" indent="0">
-              <a:lnSpc>
-                <a:spcPts val="2500"/>
-              </a:lnSpc>
-              <a:spcBef>
-                <a:spcPts val="0"/>
-              </a:spcBef>
-              <a:buNone/>
-            </a:pPr>
-            <a:r>
-              <a:rPr lang="en-US" sz="1800" b="1" dirty="0">
-                <a:solidFill>
-                  <a:srgbClr val="000000"/>
-                </a:solidFill>
-                <a:latin typeface="Arial" panose="020B0604020202020204" pitchFamily="34" charset="0"/>
-                <a:cs typeface="Arial" panose="020B0604020202020204" pitchFamily="34" charset="0"/>
-              </a:rPr>
-              <a:t>encryption </a:t>
-            </a:r>
-            <a:r>
-              <a:rPr lang="en-US" sz="1800" b="1" dirty="0" err="1">
-                <a:solidFill>
-                  <a:srgbClr val="000000"/>
-                </a:solidFill>
-                <a:latin typeface="Arial" panose="020B0604020202020204" pitchFamily="34" charset="0"/>
-                <a:cs typeface="Arial" panose="020B0604020202020204" pitchFamily="34" charset="0"/>
-              </a:rPr>
-              <a:t>aes</a:t>
-            </a:r>
-            <a:endParaRPr lang="en-US" sz="1800" b="1" dirty="0">
-              <a:solidFill>
-                <a:srgbClr val="000000"/>
-              </a:solidFill>
-              <a:latin typeface="Arial" panose="020B0604020202020204" pitchFamily="34" charset="0"/>
-              <a:cs typeface="Arial" panose="020B0604020202020204" pitchFamily="34" charset="0"/>
-            </a:endParaRPr>
-          </a:p>
-          <a:p>
-            <a:pPr lvl="1" indent="0">
-              <a:lnSpc>
-                <a:spcPts val="2500"/>
-              </a:lnSpc>
-              <a:spcBef>
-                <a:spcPts val="0"/>
-              </a:spcBef>
-              <a:buNone/>
-            </a:pPr>
-            <a:r>
-              <a:rPr lang="en-US" sz="1800" b="1" dirty="0">
-                <a:solidFill>
-                  <a:srgbClr val="000000"/>
-                </a:solidFill>
-                <a:latin typeface="Arial" panose="020B0604020202020204" pitchFamily="34" charset="0"/>
-                <a:cs typeface="Arial" panose="020B0604020202020204" pitchFamily="34" charset="0"/>
-              </a:rPr>
-              <a:t>hash sha256</a:t>
-            </a:r>
-          </a:p>
-          <a:p>
-            <a:pPr lvl="1" indent="0">
-              <a:lnSpc>
-                <a:spcPts val="2500"/>
-              </a:lnSpc>
-              <a:spcBef>
-                <a:spcPts val="0"/>
-              </a:spcBef>
-              <a:buNone/>
-            </a:pPr>
-            <a:r>
-              <a:rPr lang="en-US" sz="1800" b="1" dirty="0">
-                <a:solidFill>
-                  <a:srgbClr val="000000"/>
-                </a:solidFill>
-                <a:latin typeface="Arial" panose="020B0604020202020204" pitchFamily="34" charset="0"/>
-                <a:cs typeface="Arial" panose="020B0604020202020204" pitchFamily="34" charset="0"/>
-              </a:rPr>
-              <a:t>authentication pre-share</a:t>
-            </a:r>
-          </a:p>
-          <a:p>
-            <a:pPr lvl="1" indent="0">
-              <a:lnSpc>
-                <a:spcPts val="2500"/>
-              </a:lnSpc>
-              <a:spcBef>
-                <a:spcPts val="0"/>
-              </a:spcBef>
-              <a:buNone/>
-            </a:pPr>
-            <a:r>
-              <a:rPr lang="en-US" sz="1800" b="1" dirty="0">
-                <a:solidFill>
-                  <a:srgbClr val="000000"/>
-                </a:solidFill>
-                <a:latin typeface="Arial" panose="020B0604020202020204" pitchFamily="34" charset="0"/>
-                <a:cs typeface="Arial" panose="020B0604020202020204" pitchFamily="34" charset="0"/>
-              </a:rPr>
-              <a:t>group 14</a:t>
-            </a:r>
-          </a:p>
-          <a:p>
-            <a:pPr indent="0" algn="l">
-              <a:lnSpc>
-                <a:spcPct val="150000"/>
-              </a:lnSpc>
-              <a:spcBef>
-                <a:spcPts val="0"/>
+                <a:spcPts val="1200"/>
               </a:spcBef>
             </a:pPr>
+            <a:r>
+              <a:rPr lang="es-ES" sz="1600" dirty="0">
+                <a:solidFill>
+                  <a:srgbClr val="000000"/>
+                </a:solidFill>
+                <a:latin typeface="Arial" panose="020B0604020202020204" pitchFamily="34" charset="0"/>
+                <a:cs typeface="Arial" panose="020B0604020202020204" pitchFamily="34" charset="0"/>
+              </a:rPr>
+              <a:t>Una algoritmo </a:t>
+            </a:r>
+            <a:r>
+              <a:rPr lang="es-ES" sz="1600" b="1" dirty="0">
+                <a:solidFill>
+                  <a:srgbClr val="000000"/>
+                </a:solidFill>
+                <a:latin typeface="Arial" panose="020B0604020202020204" pitchFamily="34" charset="0"/>
+                <a:cs typeface="Arial" panose="020B0604020202020204" pitchFamily="34" charset="0"/>
+              </a:rPr>
+              <a:t>hash </a:t>
+            </a:r>
+            <a:r>
+              <a:rPr lang="es-ES" sz="1600" dirty="0">
+                <a:solidFill>
+                  <a:srgbClr val="000000"/>
+                </a:solidFill>
+                <a:latin typeface="Arial" panose="020B0604020202020204" pitchFamily="34" charset="0"/>
+                <a:cs typeface="Arial" panose="020B0604020202020204" pitchFamily="34" charset="0"/>
+              </a:rPr>
+              <a:t>es un algoritmo matemático que transforma cualquier bloque de datos en una nueva serie de caracteres con una longitud fija.</a:t>
+            </a:r>
+            <a:r>
+              <a:rPr lang="en-US" sz="1600" dirty="0">
+                <a:solidFill>
+                  <a:srgbClr val="000000"/>
+                </a:solidFill>
+                <a:latin typeface="Arial" panose="020B0604020202020204" pitchFamily="34" charset="0"/>
+                <a:cs typeface="Arial" panose="020B0604020202020204" pitchFamily="34" charset="0"/>
+              </a:rPr>
+              <a:t> </a:t>
+            </a:r>
             <a:endParaRPr lang="en-US" sz="1800" b="1" dirty="0">
               <a:solidFill>
                 <a:srgbClr val="000000"/>
